--- a/Presentation/Optimisation in parameter fitting for pandemic modelling.pptx
+++ b/Presentation/Optimisation in parameter fitting for pandemic modelling.pptx
@@ -759,8 +759,8 @@
         </p:nvSpPr>
         <p:spPr>
           <a:xfrm>
-            <a:off x="381300" y="685800"/>
-            <a:ext cx="6096075" cy="3429000"/>
+            <a:off x="381000" y="685800"/>
+            <a:ext cx="6096000" cy="3429000"/>
           </a:xfrm>
           <a:custGeom>
             <a:avLst/>
@@ -1383,7 +1383,7 @@
         </p:nvSpPr>
         <p:spPr>
           <a:xfrm>
-            <a:off x="381300" y="685800"/>
+            <a:off x="381000" y="685800"/>
             <a:ext cx="6096000" cy="3429000"/>
           </a:xfrm>
           <a:custGeom>
@@ -1487,7 +1487,7 @@
         </p:nvSpPr>
         <p:spPr>
           <a:xfrm>
-            <a:off x="381300" y="685800"/>
+            <a:off x="381000" y="685800"/>
             <a:ext cx="6096000" cy="3429000"/>
           </a:xfrm>
           <a:custGeom>
@@ -2111,7 +2111,7 @@
         </p:nvSpPr>
         <p:spPr>
           <a:xfrm>
-            <a:off x="381300" y="685800"/>
+            <a:off x="381000" y="685800"/>
             <a:ext cx="6096000" cy="3429000"/>
           </a:xfrm>
           <a:custGeom>
@@ -7970,10 +7970,25 @@
               <a:buNone/>
             </a:pPr>
             <a:r>
-              <a:rPr lang="en-GB"/>
-              <a:t>Jack Collins</a:t>
+              <a:rPr lang="en-GB" dirty="0"/>
+              <a:t>Jack Collins </a:t>
             </a:r>
-            <a:endParaRPr/>
+          </a:p>
+          <a:p>
+            <a:pPr marL="0" lvl="0" indent="0" algn="ctr" rtl="0">
+              <a:spcBef>
+                <a:spcPts val="0"/>
+              </a:spcBef>
+              <a:spcAft>
+                <a:spcPts val="0"/>
+              </a:spcAft>
+              <a:buNone/>
+            </a:pPr>
+            <a:r>
+              <a:rPr lang="en-GB" dirty="0"/>
+              <a:t>NUI Galway</a:t>
+            </a:r>
+            <a:endParaRPr dirty="0"/>
           </a:p>
         </p:txBody>
       </p:sp>
@@ -8064,41 +8079,15 @@
               <a:buNone/>
             </a:pPr>
             <a:r>
-              <a:rPr lang="en-GB">
+              <a:rPr lang="en-GB" dirty="0">
                 <a:latin typeface="Open Sans"/>
                 <a:ea typeface="Open Sans"/>
                 <a:cs typeface="Open Sans"/>
                 <a:sym typeface="Open Sans"/>
               </a:rPr>
-              <a:t>School of Maths 2020</a:t>
+              <a:t>NUI Galway School of Maths 2020 Internship </a:t>
             </a:r>
-            <a:endParaRPr>
-              <a:latin typeface="Open Sans"/>
-              <a:ea typeface="Open Sans"/>
-              <a:cs typeface="Open Sans"/>
-              <a:sym typeface="Open Sans"/>
-            </a:endParaRPr>
-          </a:p>
-          <a:p>
-            <a:pPr marL="0" lvl="0" indent="0" algn="l" rtl="0">
-              <a:spcBef>
-                <a:spcPts val="0"/>
-              </a:spcBef>
-              <a:spcAft>
-                <a:spcPts val="0"/>
-              </a:spcAft>
-              <a:buNone/>
-            </a:pPr>
-            <a:r>
-              <a:rPr lang="en-GB">
-                <a:latin typeface="Open Sans"/>
-                <a:ea typeface="Open Sans"/>
-                <a:cs typeface="Open Sans"/>
-                <a:sym typeface="Open Sans"/>
-              </a:rPr>
-              <a:t>Internship </a:t>
-            </a:r>
-            <a:endParaRPr>
+            <a:endParaRPr dirty="0">
               <a:latin typeface="Open Sans"/>
               <a:ea typeface="Open Sans"/>
               <a:cs typeface="Open Sans"/>
@@ -9312,7 +9301,7 @@
         </p:nvGraphicFramePr>
         <p:xfrm>
           <a:off x="1013600" y="1520675"/>
-          <a:ext cx="3000000" cy="3000000"/>
+          <a:ext cx="7048650" cy="2514650"/>
         </p:xfrm>
         <a:graphic>
           <a:graphicData uri="http://schemas.openxmlformats.org/drawingml/2006/table">
@@ -9864,17 +9853,23 @@
               <a:buNone/>
             </a:pPr>
             <a:r>
-              <a:rPr lang="en-GB"/>
-              <a:t>What’s Next?</a:t>
+              <a:rPr lang="en-GB" dirty="0"/>
+              <a:t>Improving the Model</a:t>
             </a:r>
-            <a:endParaRPr/>
+            <a:endParaRPr dirty="0"/>
           </a:p>
         </p:txBody>
       </p:sp>
       <p:sp>
         <p:nvSpPr>
-          <p:cNvPr id="179" name="Google Shape;179;p28"/>
-          <p:cNvSpPr txBox="1">
+          <p:cNvPr id="3" name="Text Placeholder 2">
+            <a:extLst>
+              <a:ext uri="{FF2B5EF4-FFF2-40B4-BE49-F238E27FC236}">
+                <a16:creationId xmlns:a16="http://schemas.microsoft.com/office/drawing/2014/main" id="{03FF46EC-D698-479F-B8DB-13689A8F235B}"/>
+              </a:ext>
+            </a:extLst>
+          </p:cNvPr>
+          <p:cNvSpPr>
             <a:spLocks noGrp="1"/>
           </p:cNvSpPr>
           <p:nvPr>
@@ -9883,222 +9878,75 @@
         </p:nvSpPr>
         <p:spPr>
           <a:xfrm>
-            <a:off x="311700" y="1266175"/>
-            <a:ext cx="3999900" cy="3302700"/>
-          </a:xfrm>
-          <a:prstGeom prst="rect">
-            <a:avLst/>
-          </a:prstGeom>
+            <a:off x="311699" y="1266175"/>
+            <a:ext cx="8520599" cy="3302700"/>
+          </a:xfrm>
         </p:spPr>
         <p:txBody>
-          <a:bodyPr spcFirstLastPara="1" wrap="square" lIns="91425" tIns="91425" rIns="91425" bIns="91425" anchor="t" anchorCtr="0">
-            <a:noAutofit/>
-          </a:bodyPr>
+          <a:bodyPr/>
           <a:lstStyle/>
           <a:p>
-            <a:pPr marL="0" lvl="0" indent="0" algn="l" rtl="0">
-              <a:spcBef>
-                <a:spcPts val="0"/>
-              </a:spcBef>
-              <a:spcAft>
-                <a:spcPts val="0"/>
-              </a:spcAft>
+            <a:r>
+              <a:rPr lang="en-GB" dirty="0"/>
+              <a:t>Currently we are using the Daily New Cases to fit our model, to improve on this we moved to using the total active cases on any given day. This improved the ability of our model to compare countries as well as it’s general performance.</a:t>
+            </a:r>
+          </a:p>
+          <a:p>
+            <a:r>
+              <a:rPr lang="en-GB" dirty="0"/>
+              <a:t>More improvements could be made such as adding more compartments to the model to better reflect the real world as well as more accurate figures for the current active cases at any given time.</a:t>
+            </a:r>
+          </a:p>
+          <a:p>
+            <a:pPr marL="139700" indent="0">
+              <a:buNone/>
+            </a:pPr>
+            <a:endParaRPr lang="en-GB" dirty="0"/>
+          </a:p>
+          <a:p>
+            <a:pPr marL="139700" indent="0">
+              <a:buNone/>
+            </a:pPr>
+            <a:endParaRPr lang="en-GB" dirty="0"/>
+          </a:p>
+          <a:p>
+            <a:pPr marL="139700" indent="0">
               <a:buNone/>
             </a:pPr>
             <a:r>
-              <a:rPr lang="en-GB"/>
-              <a:t>“Deep learning: An introduction for Applied Mathematicians” by Catherine Higham and Desmond Higham, SIREV 2019</a:t>
+              <a:rPr lang="en-GB" dirty="0"/>
+              <a:t>To see the model and the optimisation of the coefficients at work, you can visit the following </a:t>
             </a:r>
-            <a:endParaRPr/>
-          </a:p>
-          <a:p>
-            <a:pPr marL="0" lvl="0" indent="0" algn="l" rtl="0">
-              <a:spcBef>
-                <a:spcPts val="1600"/>
-              </a:spcBef>
-              <a:spcAft>
-                <a:spcPts val="0"/>
-              </a:spcAft>
+            <a:r>
+              <a:rPr lang="en-GB" dirty="0" err="1"/>
+              <a:t>Github</a:t>
+            </a:r>
+            <a:r>
+              <a:rPr lang="en-GB" dirty="0"/>
+              <a:t> repository: </a:t>
+            </a:r>
+            <a:r>
+              <a:rPr lang="en-GB" dirty="0">
+                <a:hlinkClick r:id="rId3"/>
+              </a:rPr>
+              <a:t>https://github.com/JackTCollins/Optimisation-in-parameter-fitting-for-Pandemic-Modelling</a:t>
+            </a:r>
+            <a:endParaRPr lang="en-GB" dirty="0"/>
+          </a:p>
+          <a:p>
+            <a:pPr marL="139700" indent="0">
+              <a:buNone/>
+            </a:pPr>
+            <a:endParaRPr lang="en-GB" dirty="0"/>
+          </a:p>
+          <a:p>
+            <a:pPr marL="139700" indent="0">
               <a:buNone/>
             </a:pPr>
             <a:r>
-              <a:rPr lang="en-GB"/>
-              <a:t>“First-Principles machine learning modelling of Covid-19” by Luca Magri and Nguyen Anh Khoa Doan, SIAM News 2020</a:t>
+              <a:rPr lang="en-GB" dirty="0"/>
+              <a:t>For any queries please email: j.collins22@nuigalway.ie</a:t>
             </a:r>
-            <a:endParaRPr/>
-          </a:p>
-          <a:p>
-            <a:pPr marL="0" lvl="0" indent="0" algn="l" rtl="0">
-              <a:spcBef>
-                <a:spcPts val="1600"/>
-              </a:spcBef>
-              <a:spcAft>
-                <a:spcPts val="0"/>
-              </a:spcAft>
-              <a:buNone/>
-            </a:pPr>
-            <a:r>
-              <a:rPr lang="en-GB" b="1"/>
-              <a:t>Machine Learning:</a:t>
-            </a:r>
-            <a:endParaRPr b="1"/>
-          </a:p>
-          <a:p>
-            <a:pPr marL="457200" lvl="0" indent="-317500" algn="l" rtl="0">
-              <a:spcBef>
-                <a:spcPts val="1600"/>
-              </a:spcBef>
-              <a:spcAft>
-                <a:spcPts val="0"/>
-              </a:spcAft>
-              <a:buSzPts val="1400"/>
-              <a:buChar char="●"/>
-            </a:pPr>
-            <a:r>
-              <a:rPr lang="en-GB"/>
-              <a:t>Train Neural Network on artificial data</a:t>
-            </a:r>
-            <a:endParaRPr/>
-          </a:p>
-          <a:p>
-            <a:pPr marL="457200" lvl="0" indent="-317500" algn="l" rtl="0">
-              <a:spcBef>
-                <a:spcPts val="0"/>
-              </a:spcBef>
-              <a:spcAft>
-                <a:spcPts val="0"/>
-              </a:spcAft>
-              <a:buSzPts val="1400"/>
-              <a:buChar char="●"/>
-            </a:pPr>
-            <a:r>
-              <a:rPr lang="en-GB"/>
-              <a:t>Apply to real world figures</a:t>
-            </a:r>
-            <a:endParaRPr/>
-          </a:p>
-          <a:p>
-            <a:pPr marL="457200" lvl="0" indent="-317500" algn="l" rtl="0">
-              <a:spcBef>
-                <a:spcPts val="0"/>
-              </a:spcBef>
-              <a:spcAft>
-                <a:spcPts val="0"/>
-              </a:spcAft>
-              <a:buSzPts val="1400"/>
-              <a:buChar char="●"/>
-            </a:pPr>
-            <a:r>
-              <a:rPr lang="en-GB"/>
-              <a:t>Allow coefficients to vary with time</a:t>
-            </a:r>
-            <a:endParaRPr/>
-          </a:p>
-          <a:p>
-            <a:pPr marL="457200" lvl="0" indent="-317500" algn="l" rtl="0">
-              <a:spcBef>
-                <a:spcPts val="0"/>
-              </a:spcBef>
-              <a:spcAft>
-                <a:spcPts val="0"/>
-              </a:spcAft>
-              <a:buSzPts val="1400"/>
-              <a:buChar char="●"/>
-            </a:pPr>
-            <a:r>
-              <a:rPr lang="en-GB"/>
-              <a:t>Add in more compartments, SEIR model</a:t>
-            </a:r>
-            <a:endParaRPr/>
-          </a:p>
-        </p:txBody>
-      </p:sp>
-      <p:pic>
-        <p:nvPicPr>
-          <p:cNvPr id="180" name="Google Shape;180;p28"/>
-          <p:cNvPicPr preferRelativeResize="0"/>
-          <p:nvPr/>
-        </p:nvPicPr>
-        <p:blipFill>
-          <a:blip r:embed="rId3">
-            <a:alphaModFix/>
-          </a:blip>
-          <a:stretch>
-            <a:fillRect/>
-          </a:stretch>
-        </p:blipFill>
-        <p:spPr>
-          <a:xfrm>
-            <a:off x="5390850" y="1152425"/>
-            <a:ext cx="2764707" cy="3686276"/>
-          </a:xfrm>
-          <a:prstGeom prst="rect">
-            <a:avLst/>
-          </a:prstGeom>
-          <a:noFill/>
-          <a:ln>
-            <a:noFill/>
-          </a:ln>
-        </p:spPr>
-      </p:pic>
-      <p:sp>
-        <p:nvSpPr>
-          <p:cNvPr id="181" name="Google Shape;181;p28"/>
-          <p:cNvSpPr txBox="1"/>
-          <p:nvPr/>
-        </p:nvSpPr>
-        <p:spPr>
-          <a:xfrm>
-            <a:off x="5464900" y="4838700"/>
-            <a:ext cx="3367500" cy="213900"/>
-          </a:xfrm>
-          <a:prstGeom prst="rect">
-            <a:avLst/>
-          </a:prstGeom>
-          <a:noFill/>
-          <a:ln>
-            <a:noFill/>
-          </a:ln>
-        </p:spPr>
-        <p:txBody>
-          <a:bodyPr spcFirstLastPara="1" wrap="square" lIns="91425" tIns="91425" rIns="91425" bIns="91425" anchor="t" anchorCtr="0">
-            <a:noAutofit/>
-          </a:bodyPr>
-          <a:lstStyle/>
-          <a:p>
-            <a:pPr marL="0" lvl="0" indent="0" algn="l" rtl="0">
-              <a:spcBef>
-                <a:spcPts val="0"/>
-              </a:spcBef>
-              <a:spcAft>
-                <a:spcPts val="0"/>
-              </a:spcAft>
-              <a:buNone/>
-            </a:pPr>
-            <a:r>
-              <a:rPr lang="en-GB" sz="1000">
-                <a:latin typeface="Open Sans"/>
-                <a:ea typeface="Open Sans"/>
-                <a:cs typeface="Open Sans"/>
-                <a:sym typeface="Open Sans"/>
-              </a:rPr>
-              <a:t>Figure: </a:t>
-            </a:r>
-            <a:r>
-              <a:rPr lang="en-GB" sz="1100" u="sng">
-                <a:solidFill>
-                  <a:schemeClr val="hlink"/>
-                </a:solidFill>
-                <a:hlinkClick r:id="rId4"/>
-              </a:rPr>
-              <a:t>https://en.wikipedia.org/wiki/Neural_network</a:t>
-            </a:r>
-            <a:endParaRPr sz="1000">
-              <a:latin typeface="Open Sans"/>
-              <a:ea typeface="Open Sans"/>
-              <a:cs typeface="Open Sans"/>
-              <a:sym typeface="Open Sans"/>
-            </a:endParaRPr>
           </a:p>
         </p:txBody>
       </p:sp>
@@ -11668,75 +11516,24 @@
               <a:buNone/>
             </a:pPr>
             <a:r>
-              <a:rPr lang="en-GB">
+              <a:rPr lang="en-GB" dirty="0">
                 <a:latin typeface="Open Sans"/>
                 <a:ea typeface="Open Sans"/>
                 <a:cs typeface="Open Sans"/>
                 <a:sym typeface="Open Sans"/>
               </a:rPr>
-              <a:t>How sensitive is our model to coefficient changes?</a:t>
+              <a:t>To demonstrate how sensitive the coefficients are to small value changes, I will use an app developed in MATLAB called </a:t>
             </a:r>
-            <a:endParaRPr>
-              <a:latin typeface="Open Sans"/>
-              <a:ea typeface="Open Sans"/>
-              <a:cs typeface="Open Sans"/>
-              <a:sym typeface="Open Sans"/>
-            </a:endParaRPr>
-          </a:p>
-          <a:p>
-            <a:pPr marL="0" lvl="0" indent="0" algn="l" rtl="0">
-              <a:spcBef>
-                <a:spcPts val="0"/>
-              </a:spcBef>
-              <a:spcAft>
-                <a:spcPts val="0"/>
-              </a:spcAft>
-              <a:buNone/>
-            </a:pPr>
-            <a:endParaRPr>
-              <a:latin typeface="Open Sans"/>
-              <a:ea typeface="Open Sans"/>
-              <a:cs typeface="Open Sans"/>
-              <a:sym typeface="Open Sans"/>
-            </a:endParaRPr>
-          </a:p>
-          <a:p>
-            <a:pPr marL="0" lvl="0" indent="0" algn="l" rtl="0">
-              <a:spcBef>
-                <a:spcPts val="0"/>
-              </a:spcBef>
-              <a:spcAft>
-                <a:spcPts val="0"/>
-              </a:spcAft>
-              <a:buNone/>
-            </a:pPr>
-            <a:endParaRPr>
-              <a:latin typeface="Open Sans"/>
-              <a:ea typeface="Open Sans"/>
-              <a:cs typeface="Open Sans"/>
-              <a:sym typeface="Open Sans"/>
-            </a:endParaRPr>
-          </a:p>
-          <a:p>
-            <a:pPr marL="0" lvl="0" indent="0" algn="l" rtl="0">
-              <a:spcBef>
-                <a:spcPts val="0"/>
-              </a:spcBef>
-              <a:spcAft>
-                <a:spcPts val="0"/>
-              </a:spcAft>
-              <a:buNone/>
-            </a:pPr>
             <a:r>
-              <a:rPr lang="en-GB">
+              <a:rPr lang="en-GB" dirty="0" err="1">
                 <a:latin typeface="Open Sans"/>
                 <a:ea typeface="Open Sans"/>
                 <a:cs typeface="Open Sans"/>
                 <a:sym typeface="Open Sans"/>
               </a:rPr>
-              <a:t>Demonstration using an app developed in MATLAB app designer.</a:t>
+              <a:t>SIR_App.malpp</a:t>
             </a:r>
-            <a:endParaRPr>
+            <a:endParaRPr dirty="0">
               <a:latin typeface="Open Sans"/>
               <a:ea typeface="Open Sans"/>
               <a:cs typeface="Open Sans"/>
